--- a/powerpoints/ITU Academy Slides AM4-13.pptx
+++ b/powerpoints/ITU Academy Slides AM4-13.pptx
@@ -69,7 +69,7 @@
         <a:latin typeface="+mn-lt"/>
         <a:ea typeface="+mn-ea"/>
         <a:cs typeface="+mn-cs"/>
-        <a:sym typeface="Calibri"/>
+        <a:sym typeface="Arial"/>
       </a:defRPr>
     </a:lvl1pPr>
     <a:lvl2pPr marL="0" marR="0" indent="457200" algn="l" defTabSz="914400" rtl="0" fontAlgn="auto" latinLnBrk="0" hangingPunct="0">
@@ -99,7 +99,7 @@
         <a:latin typeface="+mn-lt"/>
         <a:ea typeface="+mn-ea"/>
         <a:cs typeface="+mn-cs"/>
-        <a:sym typeface="Calibri"/>
+        <a:sym typeface="Arial"/>
       </a:defRPr>
     </a:lvl2pPr>
     <a:lvl3pPr marL="0" marR="0" indent="914400" algn="l" defTabSz="914400" rtl="0" fontAlgn="auto" latinLnBrk="0" hangingPunct="0">
@@ -129,7 +129,7 @@
         <a:latin typeface="+mn-lt"/>
         <a:ea typeface="+mn-ea"/>
         <a:cs typeface="+mn-cs"/>
-        <a:sym typeface="Calibri"/>
+        <a:sym typeface="Arial"/>
       </a:defRPr>
     </a:lvl3pPr>
     <a:lvl4pPr marL="0" marR="0" indent="1371600" algn="l" defTabSz="914400" rtl="0" fontAlgn="auto" latinLnBrk="0" hangingPunct="0">
@@ -159,7 +159,7 @@
         <a:latin typeface="+mn-lt"/>
         <a:ea typeface="+mn-ea"/>
         <a:cs typeface="+mn-cs"/>
-        <a:sym typeface="Calibri"/>
+        <a:sym typeface="Arial"/>
       </a:defRPr>
     </a:lvl4pPr>
     <a:lvl5pPr marL="0" marR="0" indent="1828800" algn="l" defTabSz="914400" rtl="0" fontAlgn="auto" latinLnBrk="0" hangingPunct="0">
@@ -189,7 +189,7 @@
         <a:latin typeface="+mn-lt"/>
         <a:ea typeface="+mn-ea"/>
         <a:cs typeface="+mn-cs"/>
-        <a:sym typeface="Calibri"/>
+        <a:sym typeface="Arial"/>
       </a:defRPr>
     </a:lvl5pPr>
     <a:lvl6pPr marL="0" marR="0" indent="2286000" algn="l" defTabSz="914400" rtl="0" fontAlgn="auto" latinLnBrk="0" hangingPunct="0">
@@ -219,7 +219,7 @@
         <a:latin typeface="+mn-lt"/>
         <a:ea typeface="+mn-ea"/>
         <a:cs typeface="+mn-cs"/>
-        <a:sym typeface="Calibri"/>
+        <a:sym typeface="Arial"/>
       </a:defRPr>
     </a:lvl6pPr>
     <a:lvl7pPr marL="0" marR="0" indent="2743200" algn="l" defTabSz="914400" rtl="0" fontAlgn="auto" latinLnBrk="0" hangingPunct="0">
@@ -249,7 +249,7 @@
         <a:latin typeface="+mn-lt"/>
         <a:ea typeface="+mn-ea"/>
         <a:cs typeface="+mn-cs"/>
-        <a:sym typeface="Calibri"/>
+        <a:sym typeface="Arial"/>
       </a:defRPr>
     </a:lvl7pPr>
     <a:lvl8pPr marL="0" marR="0" indent="3200400" algn="l" defTabSz="914400" rtl="0" fontAlgn="auto" latinLnBrk="0" hangingPunct="0">
@@ -279,7 +279,7 @@
         <a:latin typeface="+mn-lt"/>
         <a:ea typeface="+mn-ea"/>
         <a:cs typeface="+mn-cs"/>
-        <a:sym typeface="Calibri"/>
+        <a:sym typeface="Arial"/>
       </a:defRPr>
     </a:lvl8pPr>
     <a:lvl9pPr marL="0" marR="0" indent="3657600" algn="l" defTabSz="914400" rtl="0" fontAlgn="auto" latinLnBrk="0" hangingPunct="0">
@@ -309,7 +309,7 @@
         <a:latin typeface="+mn-lt"/>
         <a:ea typeface="+mn-ea"/>
         <a:cs typeface="+mn-cs"/>
-        <a:sym typeface="Calibri"/>
+        <a:sym typeface="Arial"/>
       </a:defRPr>
     </a:lvl9pPr>
   </p:defaultTextStyle>
@@ -396,7 +396,7 @@
         <a:latin typeface="+mn-lt"/>
         <a:ea typeface="+mn-ea"/>
         <a:cs typeface="+mn-cs"/>
-        <a:sym typeface="Calibri"/>
+        <a:sym typeface="Arial"/>
       </a:defRPr>
     </a:lvl1pPr>
     <a:lvl2pPr indent="228600" latinLnBrk="0">
@@ -404,7 +404,7 @@
         <a:latin typeface="+mn-lt"/>
         <a:ea typeface="+mn-ea"/>
         <a:cs typeface="+mn-cs"/>
-        <a:sym typeface="Calibri"/>
+        <a:sym typeface="Arial"/>
       </a:defRPr>
     </a:lvl2pPr>
     <a:lvl3pPr indent="457200" latinLnBrk="0">
@@ -412,7 +412,7 @@
         <a:latin typeface="+mn-lt"/>
         <a:ea typeface="+mn-ea"/>
         <a:cs typeface="+mn-cs"/>
-        <a:sym typeface="Calibri"/>
+        <a:sym typeface="Arial"/>
       </a:defRPr>
     </a:lvl3pPr>
     <a:lvl4pPr indent="685800" latinLnBrk="0">
@@ -420,7 +420,7 @@
         <a:latin typeface="+mn-lt"/>
         <a:ea typeface="+mn-ea"/>
         <a:cs typeface="+mn-cs"/>
-        <a:sym typeface="Calibri"/>
+        <a:sym typeface="Arial"/>
       </a:defRPr>
     </a:lvl4pPr>
     <a:lvl5pPr indent="914400" latinLnBrk="0">
@@ -428,7 +428,7 @@
         <a:latin typeface="+mn-lt"/>
         <a:ea typeface="+mn-ea"/>
         <a:cs typeface="+mn-cs"/>
-        <a:sym typeface="Calibri"/>
+        <a:sym typeface="Arial"/>
       </a:defRPr>
     </a:lvl5pPr>
     <a:lvl6pPr indent="1143000" latinLnBrk="0">
@@ -436,7 +436,7 @@
         <a:latin typeface="+mn-lt"/>
         <a:ea typeface="+mn-ea"/>
         <a:cs typeface="+mn-cs"/>
-        <a:sym typeface="Calibri"/>
+        <a:sym typeface="Arial"/>
       </a:defRPr>
     </a:lvl6pPr>
     <a:lvl7pPr indent="1371600" latinLnBrk="0">
@@ -444,7 +444,7 @@
         <a:latin typeface="+mn-lt"/>
         <a:ea typeface="+mn-ea"/>
         <a:cs typeface="+mn-cs"/>
-        <a:sym typeface="Calibri"/>
+        <a:sym typeface="Arial"/>
       </a:defRPr>
     </a:lvl7pPr>
     <a:lvl8pPr indent="1600200" latinLnBrk="0">
@@ -452,7 +452,7 @@
         <a:latin typeface="+mn-lt"/>
         <a:ea typeface="+mn-ea"/>
         <a:cs typeface="+mn-cs"/>
-        <a:sym typeface="Calibri"/>
+        <a:sym typeface="Arial"/>
       </a:defRPr>
     </a:lvl8pPr>
     <a:lvl9pPr indent="1828800" latinLnBrk="0">
@@ -460,7 +460,7 @@
         <a:latin typeface="+mn-lt"/>
         <a:ea typeface="+mn-ea"/>
         <a:cs typeface="+mn-cs"/>
-        <a:sym typeface="Calibri"/>
+        <a:sym typeface="Arial"/>
       </a:defRPr>
     </a:lvl9pPr>
   </p:notesStyle>
@@ -2292,8 +2292,8 @@
         </p:nvSpPr>
         <p:spPr>
           <a:xfrm>
-            <a:off x="8428176" y="6404292"/>
-            <a:ext cx="258624" cy="269241"/>
+            <a:off x="8413144" y="6406785"/>
+            <a:ext cx="273657" cy="264255"/>
           </a:xfrm>
           <a:prstGeom prst="rect">
             <a:avLst/>
@@ -2366,7 +2366,7 @@
           <a:latin typeface="+mn-lt"/>
           <a:ea typeface="+mn-ea"/>
           <a:cs typeface="+mn-cs"/>
-          <a:sym typeface="Calibri"/>
+          <a:sym typeface="Arial"/>
         </a:defRPr>
       </a:lvl1pPr>
       <a:lvl2pPr marL="0" marR="0" indent="0" algn="ctr" defTabSz="914400" rtl="0" latinLnBrk="0">
@@ -2395,7 +2395,7 @@
           <a:latin typeface="+mn-lt"/>
           <a:ea typeface="+mn-ea"/>
           <a:cs typeface="+mn-cs"/>
-          <a:sym typeface="Calibri"/>
+          <a:sym typeface="Arial"/>
         </a:defRPr>
       </a:lvl2pPr>
       <a:lvl3pPr marL="0" marR="0" indent="0" algn="ctr" defTabSz="914400" rtl="0" latinLnBrk="0">
@@ -2424,7 +2424,7 @@
           <a:latin typeface="+mn-lt"/>
           <a:ea typeface="+mn-ea"/>
           <a:cs typeface="+mn-cs"/>
-          <a:sym typeface="Calibri"/>
+          <a:sym typeface="Arial"/>
         </a:defRPr>
       </a:lvl3pPr>
       <a:lvl4pPr marL="0" marR="0" indent="0" algn="ctr" defTabSz="914400" rtl="0" latinLnBrk="0">
@@ -2453,7 +2453,7 @@
           <a:latin typeface="+mn-lt"/>
           <a:ea typeface="+mn-ea"/>
           <a:cs typeface="+mn-cs"/>
-          <a:sym typeface="Calibri"/>
+          <a:sym typeface="Arial"/>
         </a:defRPr>
       </a:lvl4pPr>
       <a:lvl5pPr marL="0" marR="0" indent="0" algn="ctr" defTabSz="914400" rtl="0" latinLnBrk="0">
@@ -2482,7 +2482,7 @@
           <a:latin typeface="+mn-lt"/>
           <a:ea typeface="+mn-ea"/>
           <a:cs typeface="+mn-cs"/>
-          <a:sym typeface="Calibri"/>
+          <a:sym typeface="Arial"/>
         </a:defRPr>
       </a:lvl5pPr>
       <a:lvl6pPr marL="0" marR="0" indent="0" algn="ctr" defTabSz="914400" rtl="0" latinLnBrk="0">
@@ -2511,7 +2511,7 @@
           <a:latin typeface="+mn-lt"/>
           <a:ea typeface="+mn-ea"/>
           <a:cs typeface="+mn-cs"/>
-          <a:sym typeface="Calibri"/>
+          <a:sym typeface="Arial"/>
         </a:defRPr>
       </a:lvl6pPr>
       <a:lvl7pPr marL="0" marR="0" indent="0" algn="ctr" defTabSz="914400" rtl="0" latinLnBrk="0">
@@ -2540,7 +2540,7 @@
           <a:latin typeface="+mn-lt"/>
           <a:ea typeface="+mn-ea"/>
           <a:cs typeface="+mn-cs"/>
-          <a:sym typeface="Calibri"/>
+          <a:sym typeface="Arial"/>
         </a:defRPr>
       </a:lvl7pPr>
       <a:lvl8pPr marL="0" marR="0" indent="0" algn="ctr" defTabSz="914400" rtl="0" latinLnBrk="0">
@@ -2569,7 +2569,7 @@
           <a:latin typeface="+mn-lt"/>
           <a:ea typeface="+mn-ea"/>
           <a:cs typeface="+mn-cs"/>
-          <a:sym typeface="Calibri"/>
+          <a:sym typeface="Arial"/>
         </a:defRPr>
       </a:lvl8pPr>
       <a:lvl9pPr marL="0" marR="0" indent="0" algn="ctr" defTabSz="914400" rtl="0" latinLnBrk="0">
@@ -2598,7 +2598,7 @@
           <a:latin typeface="+mn-lt"/>
           <a:ea typeface="+mn-ea"/>
           <a:cs typeface="+mn-cs"/>
-          <a:sym typeface="Calibri"/>
+          <a:sym typeface="Arial"/>
         </a:defRPr>
       </a:lvl9pPr>
     </p:titleStyle>
@@ -2629,7 +2629,7 @@
           <a:latin typeface="+mn-lt"/>
           <a:ea typeface="+mn-ea"/>
           <a:cs typeface="+mn-cs"/>
-          <a:sym typeface="Calibri"/>
+          <a:sym typeface="Arial"/>
         </a:defRPr>
       </a:lvl1pPr>
       <a:lvl2pPr marL="783771" marR="0" indent="-326571" algn="l" defTabSz="914400" rtl="0" latinLnBrk="0">
@@ -2658,7 +2658,7 @@
           <a:latin typeface="+mn-lt"/>
           <a:ea typeface="+mn-ea"/>
           <a:cs typeface="+mn-cs"/>
-          <a:sym typeface="Calibri"/>
+          <a:sym typeface="Arial"/>
         </a:defRPr>
       </a:lvl2pPr>
       <a:lvl3pPr marL="1219200" marR="0" indent="-304800" algn="l" defTabSz="914400" rtl="0" latinLnBrk="0">
@@ -2687,7 +2687,7 @@
           <a:latin typeface="+mn-lt"/>
           <a:ea typeface="+mn-ea"/>
           <a:cs typeface="+mn-cs"/>
-          <a:sym typeface="Calibri"/>
+          <a:sym typeface="Arial"/>
         </a:defRPr>
       </a:lvl3pPr>
       <a:lvl4pPr marL="1737360" marR="0" indent="-365760" algn="l" defTabSz="914400" rtl="0" latinLnBrk="0">
@@ -2716,7 +2716,7 @@
           <a:latin typeface="+mn-lt"/>
           <a:ea typeface="+mn-ea"/>
           <a:cs typeface="+mn-cs"/>
-          <a:sym typeface="Calibri"/>
+          <a:sym typeface="Arial"/>
         </a:defRPr>
       </a:lvl4pPr>
       <a:lvl5pPr marL="2194560" marR="0" indent="-365760" algn="l" defTabSz="914400" rtl="0" latinLnBrk="0">
@@ -2745,7 +2745,7 @@
           <a:latin typeface="+mn-lt"/>
           <a:ea typeface="+mn-ea"/>
           <a:cs typeface="+mn-cs"/>
-          <a:sym typeface="Calibri"/>
+          <a:sym typeface="Arial"/>
         </a:defRPr>
       </a:lvl5pPr>
       <a:lvl6pPr marL="2651760" marR="0" indent="-365760" algn="l" defTabSz="914400" rtl="0" latinLnBrk="0">
@@ -2774,7 +2774,7 @@
           <a:latin typeface="+mn-lt"/>
           <a:ea typeface="+mn-ea"/>
           <a:cs typeface="+mn-cs"/>
-          <a:sym typeface="Calibri"/>
+          <a:sym typeface="Arial"/>
         </a:defRPr>
       </a:lvl6pPr>
       <a:lvl7pPr marL="3108960" marR="0" indent="-365760" algn="l" defTabSz="914400" rtl="0" latinLnBrk="0">
@@ -2803,7 +2803,7 @@
           <a:latin typeface="+mn-lt"/>
           <a:ea typeface="+mn-ea"/>
           <a:cs typeface="+mn-cs"/>
-          <a:sym typeface="Calibri"/>
+          <a:sym typeface="Arial"/>
         </a:defRPr>
       </a:lvl7pPr>
       <a:lvl8pPr marL="3566159" marR="0" indent="-365759" algn="l" defTabSz="914400" rtl="0" latinLnBrk="0">
@@ -2832,7 +2832,7 @@
           <a:latin typeface="+mn-lt"/>
           <a:ea typeface="+mn-ea"/>
           <a:cs typeface="+mn-cs"/>
-          <a:sym typeface="Calibri"/>
+          <a:sym typeface="Arial"/>
         </a:defRPr>
       </a:lvl8pPr>
       <a:lvl9pPr marL="4023359" marR="0" indent="-365759" algn="l" defTabSz="914400" rtl="0" latinLnBrk="0">
@@ -2861,7 +2861,7 @@
           <a:latin typeface="+mn-lt"/>
           <a:ea typeface="+mn-ea"/>
           <a:cs typeface="+mn-cs"/>
-          <a:sym typeface="Calibri"/>
+          <a:sym typeface="Arial"/>
         </a:defRPr>
       </a:lvl9pPr>
     </p:bodyStyle>
@@ -2892,7 +2892,7 @@
           <a:latin typeface="+mn-lt"/>
           <a:ea typeface="+mn-ea"/>
           <a:cs typeface="+mn-cs"/>
-          <a:sym typeface="Calibri"/>
+          <a:sym typeface="Arial"/>
         </a:defRPr>
       </a:lvl1pPr>
       <a:lvl2pPr marL="0" marR="0" indent="457200" algn="r" defTabSz="914400" rtl="0" latinLnBrk="0">
@@ -2921,7 +2921,7 @@
           <a:latin typeface="+mn-lt"/>
           <a:ea typeface="+mn-ea"/>
           <a:cs typeface="+mn-cs"/>
-          <a:sym typeface="Calibri"/>
+          <a:sym typeface="Arial"/>
         </a:defRPr>
       </a:lvl2pPr>
       <a:lvl3pPr marL="0" marR="0" indent="914400" algn="r" defTabSz="914400" rtl="0" latinLnBrk="0">
@@ -2950,7 +2950,7 @@
           <a:latin typeface="+mn-lt"/>
           <a:ea typeface="+mn-ea"/>
           <a:cs typeface="+mn-cs"/>
-          <a:sym typeface="Calibri"/>
+          <a:sym typeface="Arial"/>
         </a:defRPr>
       </a:lvl3pPr>
       <a:lvl4pPr marL="0" marR="0" indent="1371600" algn="r" defTabSz="914400" rtl="0" latinLnBrk="0">
@@ -2979,7 +2979,7 @@
           <a:latin typeface="+mn-lt"/>
           <a:ea typeface="+mn-ea"/>
           <a:cs typeface="+mn-cs"/>
-          <a:sym typeface="Calibri"/>
+          <a:sym typeface="Arial"/>
         </a:defRPr>
       </a:lvl4pPr>
       <a:lvl5pPr marL="0" marR="0" indent="1828800" algn="r" defTabSz="914400" rtl="0" latinLnBrk="0">
@@ -3008,7 +3008,7 @@
           <a:latin typeface="+mn-lt"/>
           <a:ea typeface="+mn-ea"/>
           <a:cs typeface="+mn-cs"/>
-          <a:sym typeface="Calibri"/>
+          <a:sym typeface="Arial"/>
         </a:defRPr>
       </a:lvl5pPr>
       <a:lvl6pPr marL="0" marR="0" indent="2286000" algn="r" defTabSz="914400" rtl="0" latinLnBrk="0">
@@ -3037,7 +3037,7 @@
           <a:latin typeface="+mn-lt"/>
           <a:ea typeface="+mn-ea"/>
           <a:cs typeface="+mn-cs"/>
-          <a:sym typeface="Calibri"/>
+          <a:sym typeface="Arial"/>
         </a:defRPr>
       </a:lvl6pPr>
       <a:lvl7pPr marL="0" marR="0" indent="2743200" algn="r" defTabSz="914400" rtl="0" latinLnBrk="0">
@@ -3066,7 +3066,7 @@
           <a:latin typeface="+mn-lt"/>
           <a:ea typeface="+mn-ea"/>
           <a:cs typeface="+mn-cs"/>
-          <a:sym typeface="Calibri"/>
+          <a:sym typeface="Arial"/>
         </a:defRPr>
       </a:lvl7pPr>
       <a:lvl8pPr marL="0" marR="0" indent="3200400" algn="r" defTabSz="914400" rtl="0" latinLnBrk="0">
@@ -3095,7 +3095,7 @@
           <a:latin typeface="+mn-lt"/>
           <a:ea typeface="+mn-ea"/>
           <a:cs typeface="+mn-cs"/>
-          <a:sym typeface="Calibri"/>
+          <a:sym typeface="Arial"/>
         </a:defRPr>
       </a:lvl8pPr>
       <a:lvl9pPr marL="0" marR="0" indent="3657600" algn="r" defTabSz="914400" rtl="0" latinLnBrk="0">
@@ -3124,7 +3124,7 @@
           <a:latin typeface="+mn-lt"/>
           <a:ea typeface="+mn-ea"/>
           <a:cs typeface="+mn-cs"/>
-          <a:sym typeface="Calibri"/>
+          <a:sym typeface="Arial"/>
         </a:defRPr>
       </a:lvl9pPr>
     </p:otherStyle>
@@ -3181,12 +3181,7 @@
           <a:bodyPr/>
           <a:lstStyle>
             <a:lvl1pPr defTabSz="493776">
-              <a:defRPr sz="3240">
-                <a:latin typeface="BankGothic Lt BT"/>
-                <a:ea typeface="BankGothic Lt BT"/>
-                <a:cs typeface="BankGothic Lt BT"/>
-                <a:sym typeface="BankGothic Lt BT"/>
-              </a:defRPr>
+              <a:defRPr sz="3240"/>
             </a:lvl1pPr>
           </a:lstStyle>
           <a:p>
@@ -3255,12 +3250,7 @@
           <a:bodyPr/>
           <a:lstStyle>
             <a:lvl1pPr defTabSz="612648">
-              <a:defRPr sz="4020">
-                <a:latin typeface="BankGothic Lt BT"/>
-                <a:ea typeface="BankGothic Lt BT"/>
-                <a:cs typeface="BankGothic Lt BT"/>
-                <a:sym typeface="BankGothic Lt BT"/>
-              </a:defRPr>
+              <a:defRPr sz="4020"/>
             </a:lvl1pPr>
           </a:lstStyle>
           <a:p>
@@ -3342,31 +3332,41 @@
           <a:bodyPr/>
           <a:lstStyle/>
           <a:p>
-            <a:pPr/>
+            <a:pPr marL="325754" indent="-325754" defTabSz="868680">
+              <a:defRPr sz="3040"/>
+            </a:pPr>
             <a:r>
               <a:t>What was your target? Why?</a:t>
             </a:r>
           </a:p>
           <a:p>
-            <a:pPr/>
+            <a:pPr marL="325754" indent="-325754" defTabSz="868680">
+              <a:defRPr sz="3040"/>
+            </a:pPr>
             <a:r>
               <a:t>What was the plan, workflow, division of work?</a:t>
             </a:r>
           </a:p>
           <a:p>
-            <a:pPr/>
+            <a:pPr marL="325754" indent="-325754" defTabSz="868680">
+              <a:defRPr sz="3040"/>
+            </a:pPr>
             <a:r>
               <a:t>What were the resources you used: datasets, frameworks, libraries, script examples?</a:t>
             </a:r>
           </a:p>
           <a:p>
-            <a:pPr/>
+            <a:pPr marL="325754" indent="-325754" defTabSz="868680">
+              <a:defRPr sz="3040"/>
+            </a:pPr>
             <a:r>
               <a:t>How did the work go: what went according to plan and what did not?</a:t>
             </a:r>
           </a:p>
           <a:p>
-            <a:pPr/>
+            <a:pPr marL="325754" indent="-325754" defTabSz="868680">
+              <a:defRPr sz="3040"/>
+            </a:pPr>
             <a:r>
               <a:t>Evaluation: results, lessons learned, open questions, work ahead</a:t>
             </a:r>
@@ -3517,14 +3517,14 @@
     </a:clrScheme>
     <a:fontScheme name="Office Theme">
       <a:majorFont>
-        <a:latin typeface="Helvetica"/>
-        <a:ea typeface="Helvetica"/>
-        <a:cs typeface="Helvetica"/>
+        <a:latin typeface="Arial"/>
+        <a:ea typeface="Arial"/>
+        <a:cs typeface="Arial"/>
       </a:majorFont>
       <a:minorFont>
-        <a:latin typeface="Calibri"/>
-        <a:ea typeface="Calibri"/>
-        <a:cs typeface="Calibri"/>
+        <a:latin typeface="Arial"/>
+        <a:ea typeface="Arial"/>
+        <a:cs typeface="Arial"/>
       </a:minorFont>
     </a:fontScheme>
     <a:fmtScheme name="Office Theme">
@@ -3732,7 +3732,7 @@
             <a:latin typeface="+mn-lt"/>
             <a:ea typeface="+mn-ea"/>
             <a:cs typeface="+mn-cs"/>
-            <a:sym typeface="Calibri"/>
+            <a:sym typeface="Arial"/>
           </a:defRPr>
         </a:defPPr>
         <a:lvl1pPr marL="0" marR="0" indent="0" algn="l" defTabSz="914400" rtl="0" fontAlgn="auto" latinLnBrk="1" hangingPunct="0">
@@ -4309,7 +4309,7 @@
             <a:latin typeface="+mn-lt"/>
             <a:ea typeface="+mn-ea"/>
             <a:cs typeface="+mn-cs"/>
-            <a:sym typeface="Calibri"/>
+            <a:sym typeface="Arial"/>
           </a:defRPr>
         </a:defPPr>
         <a:lvl1pPr marL="0" marR="0" indent="0" algn="l" defTabSz="914400" rtl="0" fontAlgn="auto" latinLnBrk="1" hangingPunct="0">
@@ -4601,14 +4601,14 @@
     </a:clrScheme>
     <a:fontScheme name="Office Theme">
       <a:majorFont>
-        <a:latin typeface="Helvetica"/>
-        <a:ea typeface="Helvetica"/>
-        <a:cs typeface="Helvetica"/>
+        <a:latin typeface="Arial"/>
+        <a:ea typeface="Arial"/>
+        <a:cs typeface="Arial"/>
       </a:majorFont>
       <a:minorFont>
-        <a:latin typeface="Calibri"/>
-        <a:ea typeface="Calibri"/>
-        <a:cs typeface="Calibri"/>
+        <a:latin typeface="Arial"/>
+        <a:ea typeface="Arial"/>
+        <a:cs typeface="Arial"/>
       </a:minorFont>
     </a:fontScheme>
     <a:fmtScheme name="Office Theme">
@@ -4816,7 +4816,7 @@
             <a:latin typeface="+mn-lt"/>
             <a:ea typeface="+mn-ea"/>
             <a:cs typeface="+mn-cs"/>
-            <a:sym typeface="Calibri"/>
+            <a:sym typeface="Arial"/>
           </a:defRPr>
         </a:defPPr>
         <a:lvl1pPr marL="0" marR="0" indent="0" algn="l" defTabSz="914400" rtl="0" fontAlgn="auto" latinLnBrk="1" hangingPunct="0">
@@ -5393,7 +5393,7 @@
             <a:latin typeface="+mn-lt"/>
             <a:ea typeface="+mn-ea"/>
             <a:cs typeface="+mn-cs"/>
-            <a:sym typeface="Calibri"/>
+            <a:sym typeface="Arial"/>
           </a:defRPr>
         </a:defPPr>
         <a:lvl1pPr marL="0" marR="0" indent="0" algn="l" defTabSz="914400" rtl="0" fontAlgn="auto" latinLnBrk="1" hangingPunct="0">
